--- a/master.pptx
+++ b/master.pptx
@@ -9,6 +9,7 @@
     <p:sldId id="259" r:id="rId3"/>
     <p:sldId id="260" r:id="rId4"/>
     <p:sldId id="261" r:id="rId5"/>
+    <p:sldId id="262" r:id="rId6"/>
   </p:sldIdLst>
   <p:sldSz cx="12192000" cy="6858000"/>
   <p:notesSz cx="6858000" cy="9144000"/>
@@ -107,6 +108,11 @@
       </a:defRPr>
     </a:lvl9pPr>
   </p:defaultTextStyle>
+  <p:extLst>
+    <p:ext uri="{EFAFB233-063F-42B5-8137-9DF3F51BA10A}">
+      <p15:sldGuideLst xmlns:p15="http://schemas.microsoft.com/office/powerpoint/2012/main"/>
+    </p:ext>
+  </p:extLst>
 </p:presentation>
 </file>
 
@@ -832,7 +838,7 @@
           <a:p>
             <a:fld id="{7D6F0360-6C2E-4443-883A-99AABB872CBA}" type="datetimeFigureOut">
               <a:rPr lang="en-US" smtClean="0"/>
-              <a:t>7/8/18</a:t>
+              <a:t>7/8/2018</a:t>
             </a:fld>
             <a:endParaRPr lang="en-US"/>
           </a:p>
@@ -1083,7 +1089,7 @@
           <a:p>
             <a:fld id="{7D6F0360-6C2E-4443-883A-99AABB872CBA}" type="datetimeFigureOut">
               <a:rPr lang="en-US" smtClean="0"/>
-              <a:t>7/8/18</a:t>
+              <a:t>7/8/2018</a:t>
             </a:fld>
             <a:endParaRPr lang="en-US"/>
           </a:p>
@@ -1397,7 +1403,7 @@
           <a:p>
             <a:fld id="{7D6F0360-6C2E-4443-883A-99AABB872CBA}" type="datetimeFigureOut">
               <a:rPr lang="en-US" smtClean="0"/>
-              <a:t>7/8/18</a:t>
+              <a:t>7/8/2018</a:t>
             </a:fld>
             <a:endParaRPr lang="en-US"/>
           </a:p>
@@ -1738,7 +1744,7 @@
           <a:p>
             <a:fld id="{7D6F0360-6C2E-4443-883A-99AABB872CBA}" type="datetimeFigureOut">
               <a:rPr lang="en-US" smtClean="0"/>
-              <a:t>7/8/18</a:t>
+              <a:t>7/8/2018</a:t>
             </a:fld>
             <a:endParaRPr lang="en-US"/>
           </a:p>
@@ -2052,7 +2058,7 @@
           <a:p>
             <a:fld id="{7D6F0360-6C2E-4443-883A-99AABB872CBA}" type="datetimeFigureOut">
               <a:rPr lang="en-US" smtClean="0"/>
-              <a:t>7/8/18</a:t>
+              <a:t>7/8/2018</a:t>
             </a:fld>
             <a:endParaRPr lang="en-US"/>
           </a:p>
@@ -2445,7 +2451,7 @@
           <a:p>
             <a:fld id="{7D6F0360-6C2E-4443-883A-99AABB872CBA}" type="datetimeFigureOut">
               <a:rPr lang="en-US" smtClean="0"/>
-              <a:t>7/8/18</a:t>
+              <a:t>7/8/2018</a:t>
             </a:fld>
             <a:endParaRPr lang="en-US"/>
           </a:p>
@@ -2615,7 +2621,7 @@
           <a:p>
             <a:fld id="{7D6F0360-6C2E-4443-883A-99AABB872CBA}" type="datetimeFigureOut">
               <a:rPr lang="en-US" smtClean="0"/>
-              <a:t>7/8/18</a:t>
+              <a:t>7/8/2018</a:t>
             </a:fld>
             <a:endParaRPr lang="en-US"/>
           </a:p>
@@ -2795,7 +2801,7 @@
           <a:p>
             <a:fld id="{7D6F0360-6C2E-4443-883A-99AABB872CBA}" type="datetimeFigureOut">
               <a:rPr lang="en-US" smtClean="0"/>
-              <a:t>7/8/18</a:t>
+              <a:t>7/8/2018</a:t>
             </a:fld>
             <a:endParaRPr lang="en-US"/>
           </a:p>
@@ -2971,7 +2977,7 @@
           <a:p>
             <a:fld id="{7D6F0360-6C2E-4443-883A-99AABB872CBA}" type="datetimeFigureOut">
               <a:rPr lang="en-US" smtClean="0"/>
-              <a:t>7/8/18</a:t>
+              <a:t>7/8/2018</a:t>
             </a:fld>
             <a:endParaRPr lang="en-US"/>
           </a:p>
@@ -3218,7 +3224,7 @@
           <a:p>
             <a:fld id="{7D6F0360-6C2E-4443-883A-99AABB872CBA}" type="datetimeFigureOut">
               <a:rPr lang="en-US" smtClean="0"/>
-              <a:t>7/8/18</a:t>
+              <a:t>7/8/2018</a:t>
             </a:fld>
             <a:endParaRPr lang="en-US"/>
           </a:p>
@@ -3450,7 +3456,7 @@
           <a:p>
             <a:fld id="{7D6F0360-6C2E-4443-883A-99AABB872CBA}" type="datetimeFigureOut">
               <a:rPr lang="en-US" smtClean="0"/>
-              <a:t>7/8/18</a:t>
+              <a:t>7/8/2018</a:t>
             </a:fld>
             <a:endParaRPr lang="en-US"/>
           </a:p>
@@ -3824,7 +3830,7 @@
           <a:p>
             <a:fld id="{7D6F0360-6C2E-4443-883A-99AABB872CBA}" type="datetimeFigureOut">
               <a:rPr lang="en-US" smtClean="0"/>
-              <a:t>7/8/18</a:t>
+              <a:t>7/8/2018</a:t>
             </a:fld>
             <a:endParaRPr lang="en-US"/>
           </a:p>
@@ -3947,7 +3953,7 @@
           <a:p>
             <a:fld id="{7D6F0360-6C2E-4443-883A-99AABB872CBA}" type="datetimeFigureOut">
               <a:rPr lang="en-US" smtClean="0"/>
-              <a:t>7/8/18</a:t>
+              <a:t>7/8/2018</a:t>
             </a:fld>
             <a:endParaRPr lang="en-US"/>
           </a:p>
@@ -4042,7 +4048,7 @@
           <a:p>
             <a:fld id="{7D6F0360-6C2E-4443-883A-99AABB872CBA}" type="datetimeFigureOut">
               <a:rPr lang="en-US" smtClean="0"/>
-              <a:t>7/8/18</a:t>
+              <a:t>7/8/2018</a:t>
             </a:fld>
             <a:endParaRPr lang="en-US"/>
           </a:p>
@@ -4297,7 +4303,7 @@
           <a:p>
             <a:fld id="{7D6F0360-6C2E-4443-883A-99AABB872CBA}" type="datetimeFigureOut">
               <a:rPr lang="en-US" smtClean="0"/>
-              <a:t>7/8/18</a:t>
+              <a:t>7/8/2018</a:t>
             </a:fld>
             <a:endParaRPr lang="en-US"/>
           </a:p>
@@ -4560,7 +4566,7 @@
           <a:p>
             <a:fld id="{7D6F0360-6C2E-4443-883A-99AABB872CBA}" type="datetimeFigureOut">
               <a:rPr lang="en-US" smtClean="0"/>
-              <a:t>7/8/18</a:t>
+              <a:t>7/8/2018</a:t>
             </a:fld>
             <a:endParaRPr lang="en-US"/>
           </a:p>
@@ -5303,7 +5309,7 @@
           <a:p>
             <a:fld id="{7D6F0360-6C2E-4443-883A-99AABB872CBA}" type="datetimeFigureOut">
               <a:rPr lang="en-US" smtClean="0"/>
-              <a:t>7/8/18</a:t>
+              <a:t>7/8/2018</a:t>
             </a:fld>
             <a:endParaRPr lang="en-US"/>
           </a:p>
@@ -5853,6 +5859,7 @@
           <a:bodyPr/>
           <a:lstStyle/>
           <a:p>
+            <a:pPr algn="ctr"/>
             <a:r>
               <a:rPr lang="en-US" dirty="0"/>
               <a:t>PROBLEM STATEMENT</a:t>
@@ -5876,11 +5883,17 @@
             <p:ph idx="1"/>
           </p:nvPr>
         </p:nvSpPr>
-        <p:spPr/>
+        <p:spPr>
+          <a:xfrm>
+            <a:off x="677334" y="2160589"/>
+            <a:ext cx="8596668" cy="4697411"/>
+          </a:xfrm>
+        </p:spPr>
         <p:txBody>
           <a:bodyPr/>
           <a:lstStyle/>
           <a:p>
+            <a:pPr algn="just"/>
             <a:r>
               <a:rPr lang="en-IN" dirty="0" err="1"/>
               <a:t>Careworks</a:t>
@@ -5889,9 +5902,9 @@
               <a:rPr lang="en-IN" dirty="0"/>
               <a:t> Foundation requires an application to facilitate the collection of the data required to conduct a ‘Need Assessment’ on the government schools they visit. The ‘Need Assessment’ is the evaluation performed by the Foundation, based on which, a decision is made to either accept or reject the project.</a:t>
             </a:r>
-            <a:br>
-              <a:rPr lang="en-IN" dirty="0"/>
-            </a:br>
+          </a:p>
+          <a:p>
+            <a:pPr algn="just"/>
             <a:r>
               <a:rPr lang="en-IN" dirty="0"/>
               <a:t>Once a project is accepted, the application should allow the Foundation to add, view and track each individual activity within a project through an Action Plan.</a:t>
@@ -5951,6 +5964,7 @@
           <a:bodyPr/>
           <a:lstStyle/>
           <a:p>
+            <a:pPr algn="ctr"/>
             <a:r>
               <a:rPr lang="en-US" dirty="0"/>
               <a:t>APPROACH TO PROBLEM STATEMENT	</a:t>
@@ -6009,27 +6023,39 @@
             </a:r>
           </a:p>
           <a:p>
+            <a:pPr marL="0" indent="0">
+              <a:buNone/>
+            </a:pPr>
             <a:r>
               <a:rPr lang="en-US" dirty="0"/>
-              <a:t>1. Review Applications submitted by NGO’s employees.</a:t>
-            </a:r>
-          </a:p>
-          <a:p>
+              <a:t>	1. Review Applications submitted by NGO’s employees.</a:t>
+            </a:r>
+          </a:p>
+          <a:p>
+            <a:pPr marL="0" indent="0">
+              <a:buNone/>
+            </a:pPr>
             <a:r>
               <a:rPr lang="en-US" dirty="0"/>
-              <a:t>2. View Accepted School Applications.</a:t>
-            </a:r>
-          </a:p>
-          <a:p>
+              <a:t>	2. View Accepted School Applications.</a:t>
+            </a:r>
+          </a:p>
+          <a:p>
+            <a:pPr marL="0" indent="0">
+              <a:buNone/>
+            </a:pPr>
             <a:r>
               <a:rPr lang="en-US" dirty="0"/>
-              <a:t>3. Resource Allocation for Accepted Projects.</a:t>
-            </a:r>
-          </a:p>
-          <a:p>
+              <a:t>	3. Resource Allocation for Accepted Projects.</a:t>
+            </a:r>
+          </a:p>
+          <a:p>
+            <a:pPr marL="0" indent="0">
+              <a:buNone/>
+            </a:pPr>
             <a:r>
               <a:rPr lang="en-US" dirty="0"/>
-              <a:t>4. Report Generation.</a:t>
+              <a:t>	4. Report Generation.</a:t>
             </a:r>
           </a:p>
         </p:txBody>
@@ -6085,38 +6111,43 @@
           <a:bodyPr/>
           <a:lstStyle/>
           <a:p>
+            <a:pPr algn="ctr"/>
             <a:r>
               <a:rPr lang="en-US" dirty="0"/>
-              <a:t>ARCHITECTURE</a:t>
-            </a:r>
-          </a:p>
-        </p:txBody>
-      </p:sp>
-      <p:sp>
-        <p:nvSpPr>
-          <p:cNvPr id="3" name="Content Placeholder 2">
+              <a:t>THE ARCHITECTURE</a:t>
+            </a:r>
+          </a:p>
+        </p:txBody>
+      </p:sp>
+      <p:pic>
+        <p:nvPicPr>
+          <p:cNvPr id="5" name="Content Placeholder 4">
             <a:extLst>
               <a:ext uri="{FF2B5EF4-FFF2-40B4-BE49-F238E27FC236}">
-                <a16:creationId xmlns:a16="http://schemas.microsoft.com/office/drawing/2014/main" id="{AB575E08-2365-074D-9ACA-3AF6097AC9AC}"/>
+                <a16:creationId xmlns:a16="http://schemas.microsoft.com/office/drawing/2014/main" id="{D70F02E7-5018-436C-9349-8ECC7D7280F2}"/>
               </a:ext>
             </a:extLst>
           </p:cNvPr>
-          <p:cNvSpPr>
-            <a:spLocks noGrp="1"/>
-          </p:cNvSpPr>
+          <p:cNvPicPr>
+            <a:picLocks noGrp="1" noChangeAspect="1"/>
+          </p:cNvPicPr>
           <p:nvPr>
             <p:ph idx="1"/>
           </p:nvPr>
-        </p:nvSpPr>
-        <p:spPr/>
-        <p:txBody>
-          <a:bodyPr/>
-          <a:lstStyle/>
-          <a:p>
-            <a:endParaRPr lang="en-US" dirty="0"/>
-          </a:p>
-        </p:txBody>
-      </p:sp>
+        </p:nvPicPr>
+        <p:blipFill>
+          <a:blip r:embed="rId2"/>
+          <a:stretch>
+            <a:fillRect/>
+          </a:stretch>
+        </p:blipFill>
+        <p:spPr>
+          <a:xfrm>
+            <a:off x="2700996" y="1365883"/>
+            <a:ext cx="6344529" cy="5376572"/>
+          </a:xfrm>
+        </p:spPr>
+      </p:pic>
     </p:spTree>
     <p:extLst>
       <p:ext uri="{BB962C8B-B14F-4D97-AF65-F5344CB8AC3E}">
@@ -6173,6 +6204,7 @@
           <a:bodyPr/>
           <a:lstStyle/>
           <a:p>
+            <a:pPr algn="ctr"/>
             <a:r>
               <a:rPr lang="en-US" dirty="0"/>
               <a:t>BENEFITS AND SCALABILITY</a:t>
@@ -6198,13 +6230,13 @@
         </p:nvSpPr>
         <p:spPr>
           <a:xfrm>
-            <a:off x="677334" y="2160589"/>
-            <a:ext cx="8596668" cy="3880773"/>
+            <a:off x="677333" y="2160588"/>
+            <a:ext cx="9521743" cy="4324617"/>
           </a:xfrm>
         </p:spPr>
         <p:txBody>
           <a:bodyPr>
-            <a:normAutofit lnSpcReduction="10000"/>
+            <a:normAutofit/>
           </a:bodyPr>
           <a:lstStyle/>
           <a:p>
@@ -6214,33 +6246,48 @@
             </a:r>
           </a:p>
           <a:p>
+            <a:pPr marL="0" indent="0">
+              <a:buNone/>
+            </a:pPr>
             <a:r>
               <a:rPr lang="en-US" dirty="0"/>
-              <a:t>PORTABILITY</a:t>
-            </a:r>
-          </a:p>
-          <a:p>
+              <a:t>	1. PORTABILITY</a:t>
+            </a:r>
+          </a:p>
+          <a:p>
+            <a:pPr marL="0" indent="0">
+              <a:buNone/>
+            </a:pPr>
             <a:r>
               <a:rPr lang="en-US" dirty="0"/>
-              <a:t>DYNAMICITY</a:t>
-            </a:r>
-          </a:p>
-          <a:p>
+              <a:t>	2. DYNAMICITY</a:t>
+            </a:r>
+          </a:p>
+          <a:p>
+            <a:pPr marL="0" indent="0">
+              <a:buNone/>
+            </a:pPr>
             <a:r>
               <a:rPr lang="en-US" dirty="0"/>
-              <a:t>REDUCE PAPERWORK</a:t>
-            </a:r>
-          </a:p>
-          <a:p>
+              <a:t>	3. REDUCE PAPERWORK</a:t>
+            </a:r>
+          </a:p>
+          <a:p>
+            <a:pPr marL="0" indent="0">
+              <a:buNone/>
+            </a:pPr>
             <a:r>
               <a:rPr lang="en-US" dirty="0"/>
-              <a:t>REDUCE MANPOWER</a:t>
-            </a:r>
-          </a:p>
-          <a:p>
+              <a:t>	4. REDUCE MANPOWER</a:t>
+            </a:r>
+          </a:p>
+          <a:p>
+            <a:pPr marL="0" indent="0">
+              <a:buNone/>
+            </a:pPr>
             <a:r>
               <a:rPr lang="en-US" dirty="0"/>
-              <a:t>ANALYSIS  OF DATA FOR REPORT GENERATION</a:t>
+              <a:t>	5. ANALYSIS  OF DATA FOR REPORT GENERATION</a:t>
             </a:r>
           </a:p>
           <a:p>
@@ -6250,17 +6297,22 @@
             </a:r>
           </a:p>
           <a:p>
+            <a:pPr marL="0" indent="0">
+              <a:buNone/>
+            </a:pPr>
             <a:r>
               <a:rPr lang="en-US" dirty="0"/>
-              <a:t>SAVING THE DATA INTO LOCAL CACHE STORAGE IF INTERNET CONNECTION IS LOST.</a:t>
-            </a:r>
-          </a:p>
-          <a:p>
-            <a:r>
-              <a:rPr lang="en-US"/>
-              <a:t>COMPARISON BEFORE AND AFTER</a:t>
-            </a:r>
-            <a:endParaRPr lang="en-US" dirty="0"/>
+              <a:t>	1. SAVING THE DATA INTO LOCAL CACHE STORAGE IF INTERNET CONNECTION IS LOST.</a:t>
+            </a:r>
+          </a:p>
+          <a:p>
+            <a:pPr marL="0" indent="0">
+              <a:buNone/>
+            </a:pPr>
+            <a:r>
+              <a:rPr lang="en-US" dirty="0"/>
+              <a:t>	2. COMPARISON BEFORE AND AFTER.</a:t>
+            </a:r>
           </a:p>
         </p:txBody>
       </p:sp>
@@ -6268,6 +6320,153 @@
     <p:extLst>
       <p:ext uri="{BB962C8B-B14F-4D97-AF65-F5344CB8AC3E}">
         <p14:creationId xmlns:p14="http://schemas.microsoft.com/office/powerpoint/2010/main" val="2081936470"/>
+      </p:ext>
+    </p:extLst>
+  </p:cSld>
+  <p:clrMapOvr>
+    <a:masterClrMapping/>
+  </p:clrMapOvr>
+</p:sld>
+</file>
+
+<file path=ppt/slides/slide5.xml><?xml version="1.0" encoding="utf-8"?>
+<p:sld xmlns:a="http://schemas.openxmlformats.org/drawingml/2006/main" xmlns:r="http://schemas.openxmlformats.org/officeDocument/2006/relationships" xmlns:p="http://schemas.openxmlformats.org/presentationml/2006/main">
+  <p:cSld>
+    <p:spTree>
+      <p:nvGrpSpPr>
+        <p:cNvPr id="1" name=""/>
+        <p:cNvGrpSpPr/>
+        <p:nvPr/>
+      </p:nvGrpSpPr>
+      <p:grpSpPr>
+        <a:xfrm>
+          <a:off x="0" y="0"/>
+          <a:ext cx="0" cy="0"/>
+          <a:chOff x="0" y="0"/>
+          <a:chExt cx="0" cy="0"/>
+        </a:xfrm>
+      </p:grpSpPr>
+      <p:sp>
+        <p:nvSpPr>
+          <p:cNvPr id="2" name="Title 1">
+            <a:extLst>
+              <a:ext uri="{FF2B5EF4-FFF2-40B4-BE49-F238E27FC236}">
+                <a16:creationId xmlns:a16="http://schemas.microsoft.com/office/drawing/2014/main" id="{4049FA7D-68EA-4967-800C-2A44CBF7810E}"/>
+              </a:ext>
+            </a:extLst>
+          </p:cNvPr>
+          <p:cNvSpPr>
+            <a:spLocks noGrp="1"/>
+          </p:cNvSpPr>
+          <p:nvPr>
+            <p:ph type="title"/>
+          </p:nvPr>
+        </p:nvSpPr>
+        <p:spPr/>
+        <p:txBody>
+          <a:bodyPr/>
+          <a:lstStyle/>
+          <a:p>
+            <a:r>
+              <a:rPr lang="en-IN" dirty="0"/>
+              <a:t>Q &amp; A…</a:t>
+            </a:r>
+          </a:p>
+        </p:txBody>
+      </p:sp>
+      <p:sp>
+        <p:nvSpPr>
+          <p:cNvPr id="3" name="Content Placeholder 2">
+            <a:extLst>
+              <a:ext uri="{FF2B5EF4-FFF2-40B4-BE49-F238E27FC236}">
+                <a16:creationId xmlns:a16="http://schemas.microsoft.com/office/drawing/2014/main" id="{58BBA155-1E94-486A-AA37-A2EFD0A4970B}"/>
+              </a:ext>
+            </a:extLst>
+          </p:cNvPr>
+          <p:cNvSpPr>
+            <a:spLocks noGrp="1"/>
+          </p:cNvSpPr>
+          <p:nvPr>
+            <p:ph idx="1"/>
+          </p:nvPr>
+        </p:nvSpPr>
+        <p:spPr/>
+        <p:txBody>
+          <a:bodyPr/>
+          <a:lstStyle/>
+          <a:p>
+            <a:endParaRPr lang="en-IN" dirty="0"/>
+          </a:p>
+        </p:txBody>
+      </p:sp>
+      <p:sp>
+        <p:nvSpPr>
+          <p:cNvPr id="4" name="Rectangle 3">
+            <a:extLst>
+              <a:ext uri="{FF2B5EF4-FFF2-40B4-BE49-F238E27FC236}">
+                <a16:creationId xmlns:a16="http://schemas.microsoft.com/office/drawing/2014/main" id="{B3C4F5DB-8092-449C-A588-AFD0A2A291F6}"/>
+              </a:ext>
+            </a:extLst>
+          </p:cNvPr>
+          <p:cNvSpPr/>
+          <p:nvPr/>
+        </p:nvSpPr>
+        <p:spPr>
+          <a:xfrm>
+            <a:off x="4037429" y="956603"/>
+            <a:ext cx="2944836" cy="4708981"/>
+          </a:xfrm>
+          <a:prstGeom prst="rect">
+            <a:avLst/>
+          </a:prstGeom>
+          <a:noFill/>
+        </p:spPr>
+        <p:txBody>
+          <a:bodyPr wrap="square" lIns="91440" tIns="45720" rIns="91440" bIns="45720">
+            <a:spAutoFit/>
+          </a:bodyPr>
+          <a:lstStyle/>
+          <a:p>
+            <a:pPr algn="ctr"/>
+            <a:r>
+              <a:rPr lang="en-US" sz="30000" b="1" cap="none" spc="0" dirty="0">
+                <a:ln w="12700" cmpd="sng">
+                  <a:solidFill>
+                    <a:schemeClr val="accent4"/>
+                  </a:solidFill>
+                  <a:prstDash val="solid"/>
+                </a:ln>
+                <a:gradFill>
+                  <a:gsLst>
+                    <a:gs pos="0">
+                      <a:schemeClr val="accent4"/>
+                    </a:gs>
+                    <a:gs pos="4000">
+                      <a:schemeClr val="accent4">
+                        <a:lumMod val="60000"/>
+                        <a:lumOff val="40000"/>
+                      </a:schemeClr>
+                    </a:gs>
+                    <a:gs pos="87000">
+                      <a:schemeClr val="accent4">
+                        <a:lumMod val="20000"/>
+                        <a:lumOff val="80000"/>
+                      </a:schemeClr>
+                    </a:gs>
+                  </a:gsLst>
+                  <a:lin ang="5400000"/>
+                </a:gradFill>
+                <a:effectLst/>
+              </a:rPr>
+              <a:t>?</a:t>
+            </a:r>
+          </a:p>
+        </p:txBody>
+      </p:sp>
+    </p:spTree>
+    <p:extLst>
+      <p:ext uri="{BB962C8B-B14F-4D97-AF65-F5344CB8AC3E}">
+        <p14:creationId xmlns:p14="http://schemas.microsoft.com/office/powerpoint/2010/main" val="1338717680"/>
       </p:ext>
     </p:extLst>
   </p:cSld>
